--- a/cham/발표용ppt.pptx
+++ b/cham/발표용ppt.pptx
@@ -10,12 +10,13 @@
     <p:sldId id="276" r:id="rId4"/>
     <p:sldId id="261" r:id="rId5"/>
     <p:sldId id="277" r:id="rId6"/>
-    <p:sldId id="268" r:id="rId7"/>
-    <p:sldId id="332" r:id="rId8"/>
-    <p:sldId id="333" r:id="rId9"/>
-    <p:sldId id="334" r:id="rId10"/>
-    <p:sldId id="258" r:id="rId11"/>
-    <p:sldId id="323" r:id="rId12"/>
+    <p:sldId id="336" r:id="rId7"/>
+    <p:sldId id="268" r:id="rId8"/>
+    <p:sldId id="332" r:id="rId9"/>
+    <p:sldId id="333" r:id="rId10"/>
+    <p:sldId id="334" r:id="rId11"/>
+    <p:sldId id="258" r:id="rId12"/>
+    <p:sldId id="323" r:id="rId13"/>
   </p:sldIdLst>
   <p:sldSz cx="12192000" cy="6858000"/>
   <p:notesSz cx="6858000" cy="9144000"/>
@@ -18385,6 +18386,1048 @@
           <a:chExt cx="0" cy="0"/>
         </a:xfrm>
       </p:grpSpPr>
+      <p:grpSp>
+        <p:nvGrpSpPr>
+          <p:cNvPr id="11" name="Group 10">
+            <a:extLst>
+              <a:ext uri="{FF2B5EF4-FFF2-40B4-BE49-F238E27FC236}">
+                <a16:creationId xmlns:a16="http://schemas.microsoft.com/office/drawing/2014/main" id="{D75C5B10-A3BD-4F07-BA52-4F707A033CBF}"/>
+              </a:ext>
+            </a:extLst>
+          </p:cNvPr>
+          <p:cNvGrpSpPr/>
+          <p:nvPr/>
+        </p:nvGrpSpPr>
+        <p:grpSpPr>
+          <a:xfrm>
+            <a:off x="1121645" y="1806181"/>
+            <a:ext cx="4812007" cy="2818347"/>
+            <a:chOff x="2961076" y="1683535"/>
+            <a:chExt cx="6750104" cy="3953472"/>
+          </a:xfrm>
+        </p:grpSpPr>
+        <p:pic>
+          <p:nvPicPr>
+            <p:cNvPr id="12" name="Picture 11">
+              <a:extLst>
+                <a:ext uri="{FF2B5EF4-FFF2-40B4-BE49-F238E27FC236}">
+                  <a16:creationId xmlns:a16="http://schemas.microsoft.com/office/drawing/2014/main" id="{64C8A720-848D-4C06-90E2-5DA717B134C2}"/>
+                </a:ext>
+              </a:extLst>
+            </p:cNvPr>
+            <p:cNvPicPr>
+              <a:picLocks noChangeAspect="1"/>
+            </p:cNvPicPr>
+            <p:nvPr/>
+          </p:nvPicPr>
+          <p:blipFill rotWithShape="1">
+            <a:blip r:embed="rId2" cstate="hqprint">
+              <a:extLst>
+                <a:ext uri="{28A0092B-C50C-407E-A947-70E740481C1C}">
+                  <a14:useLocalDpi xmlns:a14="http://schemas.microsoft.com/office/drawing/2010/main" val="0"/>
+                </a:ext>
+              </a:extLst>
+            </a:blip>
+            <a:srcRect l="3097" t="2338" r="3005" b="2877"/>
+            <a:stretch/>
+          </p:blipFill>
+          <p:spPr>
+            <a:xfrm>
+              <a:off x="2961076" y="1683535"/>
+              <a:ext cx="6750104" cy="3953472"/>
+            </a:xfrm>
+            <a:prstGeom prst="rect">
+              <a:avLst/>
+            </a:prstGeom>
+          </p:spPr>
+        </p:pic>
+        <p:sp>
+          <p:nvSpPr>
+            <p:cNvPr id="13" name="Rectangle 12">
+              <a:extLst>
+                <a:ext uri="{FF2B5EF4-FFF2-40B4-BE49-F238E27FC236}">
+                  <a16:creationId xmlns:a16="http://schemas.microsoft.com/office/drawing/2014/main" id="{FF0467A6-6043-4EA1-9180-A26CD9C3A6E9}"/>
+                </a:ext>
+              </a:extLst>
+            </p:cNvPr>
+            <p:cNvSpPr/>
+            <p:nvPr/>
+          </p:nvSpPr>
+          <p:spPr>
+            <a:xfrm>
+              <a:off x="3832411" y="2010335"/>
+              <a:ext cx="4995065" cy="3119718"/>
+            </a:xfrm>
+            <a:prstGeom prst="rect">
+              <a:avLst/>
+            </a:prstGeom>
+            <a:solidFill>
+              <a:schemeClr val="tx2"/>
+            </a:solidFill>
+            <a:ln>
+              <a:noFill/>
+            </a:ln>
+          </p:spPr>
+          <p:style>
+            <a:lnRef idx="2">
+              <a:schemeClr val="accent1">
+                <a:shade val="50000"/>
+              </a:schemeClr>
+            </a:lnRef>
+            <a:fillRef idx="1">
+              <a:schemeClr val="accent1"/>
+            </a:fillRef>
+            <a:effectRef idx="0">
+              <a:schemeClr val="accent1"/>
+            </a:effectRef>
+            <a:fontRef idx="minor">
+              <a:schemeClr val="lt1"/>
+            </a:fontRef>
+          </p:style>
+          <p:txBody>
+            <a:bodyPr rtlCol="0" anchor="ctr"/>
+            <a:lstStyle/>
+            <a:p>
+              <a:pPr algn="ctr"/>
+              <a:endParaRPr lang="en-ID"/>
+            </a:p>
+          </p:txBody>
+        </p:sp>
+      </p:grpSp>
+      <p:grpSp>
+        <p:nvGrpSpPr>
+          <p:cNvPr id="14" name="Group 13">
+            <a:extLst>
+              <a:ext uri="{FF2B5EF4-FFF2-40B4-BE49-F238E27FC236}">
+                <a16:creationId xmlns:a16="http://schemas.microsoft.com/office/drawing/2014/main" id="{9AC84E5A-C957-48DF-8074-6B19B3F3C52F}"/>
+              </a:ext>
+            </a:extLst>
+          </p:cNvPr>
+          <p:cNvGrpSpPr/>
+          <p:nvPr/>
+        </p:nvGrpSpPr>
+        <p:grpSpPr>
+          <a:xfrm>
+            <a:off x="6269850" y="1806181"/>
+            <a:ext cx="4812007" cy="2818347"/>
+            <a:chOff x="2961076" y="1683535"/>
+            <a:chExt cx="6750104" cy="3953472"/>
+          </a:xfrm>
+        </p:grpSpPr>
+        <p:pic>
+          <p:nvPicPr>
+            <p:cNvPr id="15" name="Picture 14">
+              <a:extLst>
+                <a:ext uri="{FF2B5EF4-FFF2-40B4-BE49-F238E27FC236}">
+                  <a16:creationId xmlns:a16="http://schemas.microsoft.com/office/drawing/2014/main" id="{9B248A96-8A1A-457D-978D-B86D91CAAE80}"/>
+                </a:ext>
+              </a:extLst>
+            </p:cNvPr>
+            <p:cNvPicPr>
+              <a:picLocks noChangeAspect="1"/>
+            </p:cNvPicPr>
+            <p:nvPr/>
+          </p:nvPicPr>
+          <p:blipFill rotWithShape="1">
+            <a:blip r:embed="rId2" cstate="hqprint">
+              <a:extLst>
+                <a:ext uri="{28A0092B-C50C-407E-A947-70E740481C1C}">
+                  <a14:useLocalDpi xmlns:a14="http://schemas.microsoft.com/office/drawing/2010/main" val="0"/>
+                </a:ext>
+              </a:extLst>
+            </a:blip>
+            <a:srcRect l="3097" t="2338" r="3005" b="2877"/>
+            <a:stretch/>
+          </p:blipFill>
+          <p:spPr>
+            <a:xfrm>
+              <a:off x="2961076" y="1683535"/>
+              <a:ext cx="6750104" cy="3953472"/>
+            </a:xfrm>
+            <a:prstGeom prst="rect">
+              <a:avLst/>
+            </a:prstGeom>
+          </p:spPr>
+        </p:pic>
+        <p:sp>
+          <p:nvSpPr>
+            <p:cNvPr id="16" name="Rectangle 15">
+              <a:extLst>
+                <a:ext uri="{FF2B5EF4-FFF2-40B4-BE49-F238E27FC236}">
+                  <a16:creationId xmlns:a16="http://schemas.microsoft.com/office/drawing/2014/main" id="{BF97A3C9-B59A-4062-AAC4-A508DE49539D}"/>
+                </a:ext>
+              </a:extLst>
+            </p:cNvPr>
+            <p:cNvSpPr/>
+            <p:nvPr/>
+          </p:nvSpPr>
+          <p:spPr>
+            <a:xfrm>
+              <a:off x="3832411" y="2010335"/>
+              <a:ext cx="4995065" cy="3119718"/>
+            </a:xfrm>
+            <a:prstGeom prst="rect">
+              <a:avLst/>
+            </a:prstGeom>
+            <a:solidFill>
+              <a:schemeClr val="tx2"/>
+            </a:solidFill>
+            <a:ln>
+              <a:noFill/>
+            </a:ln>
+          </p:spPr>
+          <p:style>
+            <a:lnRef idx="2">
+              <a:schemeClr val="accent1">
+                <a:shade val="50000"/>
+              </a:schemeClr>
+            </a:lnRef>
+            <a:fillRef idx="1">
+              <a:schemeClr val="accent1"/>
+            </a:fillRef>
+            <a:effectRef idx="0">
+              <a:schemeClr val="accent1"/>
+            </a:effectRef>
+            <a:fontRef idx="minor">
+              <a:schemeClr val="lt1"/>
+            </a:fontRef>
+          </p:style>
+          <p:txBody>
+            <a:bodyPr rtlCol="0" anchor="ctr"/>
+            <a:lstStyle/>
+            <a:p>
+              <a:pPr algn="ctr"/>
+              <a:endParaRPr lang="en-ID"/>
+            </a:p>
+          </p:txBody>
+        </p:sp>
+      </p:grpSp>
+      <p:grpSp>
+        <p:nvGrpSpPr>
+          <p:cNvPr id="19" name="Group 18">
+            <a:extLst>
+              <a:ext uri="{FF2B5EF4-FFF2-40B4-BE49-F238E27FC236}">
+                <a16:creationId xmlns:a16="http://schemas.microsoft.com/office/drawing/2014/main" id="{BC158E67-71DC-491B-8D7A-CE637D693085}"/>
+              </a:ext>
+            </a:extLst>
+          </p:cNvPr>
+          <p:cNvGrpSpPr/>
+          <p:nvPr/>
+        </p:nvGrpSpPr>
+        <p:grpSpPr>
+          <a:xfrm>
+            <a:off x="3079154" y="1448629"/>
+            <a:ext cx="6034911" cy="3534590"/>
+            <a:chOff x="2961076" y="1683535"/>
+            <a:chExt cx="6750104" cy="3953472"/>
+          </a:xfrm>
+        </p:grpSpPr>
+        <p:pic>
+          <p:nvPicPr>
+            <p:cNvPr id="20" name="Picture 19">
+              <a:extLst>
+                <a:ext uri="{FF2B5EF4-FFF2-40B4-BE49-F238E27FC236}">
+                  <a16:creationId xmlns:a16="http://schemas.microsoft.com/office/drawing/2014/main" id="{95C6CA9F-9A23-41A5-8A8B-0054C0597DF2}"/>
+                </a:ext>
+              </a:extLst>
+            </p:cNvPr>
+            <p:cNvPicPr>
+              <a:picLocks noChangeAspect="1"/>
+            </p:cNvPicPr>
+            <p:nvPr/>
+          </p:nvPicPr>
+          <p:blipFill rotWithShape="1">
+            <a:blip r:embed="rId2" cstate="print">
+              <a:extLst>
+                <a:ext uri="{28A0092B-C50C-407E-A947-70E740481C1C}">
+                  <a14:useLocalDpi xmlns:a14="http://schemas.microsoft.com/office/drawing/2010/main" val="0"/>
+                </a:ext>
+              </a:extLst>
+            </a:blip>
+            <a:srcRect l="3097" t="2338" r="3005" b="2877"/>
+            <a:stretch/>
+          </p:blipFill>
+          <p:spPr>
+            <a:xfrm>
+              <a:off x="2961076" y="1683535"/>
+              <a:ext cx="6750104" cy="3953472"/>
+            </a:xfrm>
+            <a:prstGeom prst="rect">
+              <a:avLst/>
+            </a:prstGeom>
+          </p:spPr>
+        </p:pic>
+        <p:sp>
+          <p:nvSpPr>
+            <p:cNvPr id="21" name="Rectangle 20">
+              <a:extLst>
+                <a:ext uri="{FF2B5EF4-FFF2-40B4-BE49-F238E27FC236}">
+                  <a16:creationId xmlns:a16="http://schemas.microsoft.com/office/drawing/2014/main" id="{ACF7C20D-3A87-4414-B520-67C77239E0C2}"/>
+                </a:ext>
+              </a:extLst>
+            </p:cNvPr>
+            <p:cNvSpPr/>
+            <p:nvPr/>
+          </p:nvSpPr>
+          <p:spPr>
+            <a:xfrm>
+              <a:off x="3832411" y="2010335"/>
+              <a:ext cx="4995065" cy="3119718"/>
+            </a:xfrm>
+            <a:prstGeom prst="rect">
+              <a:avLst/>
+            </a:prstGeom>
+            <a:solidFill>
+              <a:schemeClr val="tx2"/>
+            </a:solidFill>
+            <a:ln>
+              <a:noFill/>
+            </a:ln>
+          </p:spPr>
+          <p:style>
+            <a:lnRef idx="2">
+              <a:schemeClr val="accent1">
+                <a:shade val="50000"/>
+              </a:schemeClr>
+            </a:lnRef>
+            <a:fillRef idx="1">
+              <a:schemeClr val="accent1"/>
+            </a:fillRef>
+            <a:effectRef idx="0">
+              <a:schemeClr val="accent1"/>
+            </a:effectRef>
+            <a:fontRef idx="minor">
+              <a:schemeClr val="lt1"/>
+            </a:fontRef>
+          </p:style>
+          <p:txBody>
+            <a:bodyPr rtlCol="0" anchor="ctr"/>
+            <a:lstStyle/>
+            <a:p>
+              <a:pPr algn="ctr"/>
+              <a:endParaRPr lang="en-ID"/>
+            </a:p>
+          </p:txBody>
+        </p:sp>
+      </p:grpSp>
+      <p:sp>
+        <p:nvSpPr>
+          <p:cNvPr id="27" name="Text Placeholder 26">
+            <a:extLst>
+              <a:ext uri="{FF2B5EF4-FFF2-40B4-BE49-F238E27FC236}">
+                <a16:creationId xmlns:a16="http://schemas.microsoft.com/office/drawing/2014/main" id="{30F19E8E-53B8-4A60-89E6-2806172069D8}"/>
+              </a:ext>
+            </a:extLst>
+          </p:cNvPr>
+          <p:cNvSpPr>
+            <a:spLocks noGrp="1"/>
+          </p:cNvSpPr>
+          <p:nvPr>
+            <p:ph type="body" sz="quarter" idx="11"/>
+          </p:nvPr>
+        </p:nvSpPr>
+        <p:spPr/>
+        <p:txBody>
+          <a:bodyPr/>
+          <a:lstStyle/>
+          <a:p>
+            <a:r>
+              <a:rPr lang="en-ID" dirty="0" smtClean="0"/>
+              <a:t>CHAM</a:t>
+            </a:r>
+            <a:endParaRPr lang="en-ID" dirty="0"/>
+          </a:p>
+        </p:txBody>
+      </p:sp>
+      <p:sp>
+        <p:nvSpPr>
+          <p:cNvPr id="26" name="Text Placeholder 25">
+            <a:extLst>
+              <a:ext uri="{FF2B5EF4-FFF2-40B4-BE49-F238E27FC236}">
+                <a16:creationId xmlns:a16="http://schemas.microsoft.com/office/drawing/2014/main" id="{33B0C920-E41D-48B2-BBB5-6FBFDE0F31A7}"/>
+              </a:ext>
+            </a:extLst>
+          </p:cNvPr>
+          <p:cNvSpPr>
+            <a:spLocks noGrp="1"/>
+          </p:cNvSpPr>
+          <p:nvPr>
+            <p:ph type="body" sz="quarter" idx="10"/>
+          </p:nvPr>
+        </p:nvSpPr>
+        <p:spPr/>
+        <p:txBody>
+          <a:bodyPr/>
+          <a:lstStyle/>
+          <a:p>
+            <a:r>
+              <a:rPr lang="ko-KR" altLang="en-US" dirty="0" smtClean="0"/>
+              <a:t>프로젝트 시연</a:t>
+            </a:r>
+            <a:endParaRPr lang="en-ID" dirty="0"/>
+          </a:p>
+        </p:txBody>
+      </p:sp>
+      <p:pic>
+        <p:nvPicPr>
+          <p:cNvPr id="5" name="그림 4"/>
+          <p:cNvPicPr>
+            <a:picLocks noChangeAspect="1"/>
+          </p:cNvPicPr>
+          <p:nvPr/>
+        </p:nvPicPr>
+        <p:blipFill>
+          <a:blip r:embed="rId3"/>
+          <a:stretch>
+            <a:fillRect/>
+          </a:stretch>
+        </p:blipFill>
+        <p:spPr>
+          <a:xfrm>
+            <a:off x="3855038" y="1740804"/>
+            <a:ext cx="4468953" cy="2789175"/>
+          </a:xfrm>
+          <a:prstGeom prst="rect">
+            <a:avLst/>
+          </a:prstGeom>
+        </p:spPr>
+      </p:pic>
+      <p:pic>
+        <p:nvPicPr>
+          <p:cNvPr id="6" name="그림 5"/>
+          <p:cNvPicPr>
+            <a:picLocks noChangeAspect="1"/>
+          </p:cNvPicPr>
+          <p:nvPr/>
+        </p:nvPicPr>
+        <p:blipFill>
+          <a:blip r:embed="rId4"/>
+          <a:stretch>
+            <a:fillRect/>
+          </a:stretch>
+        </p:blipFill>
+        <p:spPr>
+          <a:xfrm>
+            <a:off x="1741337" y="2039150"/>
+            <a:ext cx="1935314" cy="2223981"/>
+          </a:xfrm>
+          <a:prstGeom prst="rect">
+            <a:avLst/>
+          </a:prstGeom>
+        </p:spPr>
+      </p:pic>
+      <p:pic>
+        <p:nvPicPr>
+          <p:cNvPr id="8" name="그림 7"/>
+          <p:cNvPicPr>
+            <a:picLocks noChangeAspect="1"/>
+          </p:cNvPicPr>
+          <p:nvPr/>
+        </p:nvPicPr>
+        <p:blipFill>
+          <a:blip r:embed="rId5"/>
+          <a:stretch>
+            <a:fillRect/>
+          </a:stretch>
+        </p:blipFill>
+        <p:spPr>
+          <a:xfrm>
+            <a:off x="8502378" y="2039150"/>
+            <a:ext cx="1948040" cy="2223981"/>
+          </a:xfrm>
+          <a:prstGeom prst="rect">
+            <a:avLst/>
+          </a:prstGeom>
+        </p:spPr>
+      </p:pic>
+    </p:spTree>
+    <p:extLst>
+      <p:ext uri="{BB962C8B-B14F-4D97-AF65-F5344CB8AC3E}">
+        <p14:creationId xmlns:p14="http://schemas.microsoft.com/office/powerpoint/2010/main" val="1193812329"/>
+      </p:ext>
+    </p:extLst>
+  </p:cSld>
+  <p:clrMapOvr>
+    <a:masterClrMapping/>
+  </p:clrMapOvr>
+  <mc:AlternateContent xmlns:mc="http://schemas.openxmlformats.org/markup-compatibility/2006" xmlns:p14="http://schemas.microsoft.com/office/powerpoint/2010/main">
+    <mc:Choice Requires="p14">
+      <p:transition spd="med" p14:dur="700">
+        <p:fade/>
+      </p:transition>
+    </mc:Choice>
+    <mc:Fallback xmlns="">
+      <p:transition spd="med">
+        <p:fade/>
+      </p:transition>
+    </mc:Fallback>
+  </mc:AlternateContent>
+  <mc:AlternateContent xmlns:mc="http://schemas.openxmlformats.org/markup-compatibility/2006" xmlns:p14="http://schemas.microsoft.com/office/powerpoint/2010/main">
+    <mc:Choice Requires="p14">
+      <p:timing>
+        <p:tnLst>
+          <p:par>
+            <p:cTn id="1" dur="indefinite" restart="never" nodeType="tmRoot">
+              <p:childTnLst>
+                <p:seq concurrent="1" nextAc="seek">
+                  <p:cTn id="2" dur="indefinite" nodeType="mainSeq">
+                    <p:childTnLst>
+                      <p:par>
+                        <p:cTn id="3" fill="hold">
+                          <p:stCondLst>
+                            <p:cond delay="indefinite"/>
+                            <p:cond evt="onBegin" delay="0">
+                              <p:tn val="2"/>
+                            </p:cond>
+                          </p:stCondLst>
+                          <p:childTnLst>
+                            <p:par>
+                              <p:cTn id="4" fill="hold">
+                                <p:stCondLst>
+                                  <p:cond delay="0"/>
+                                </p:stCondLst>
+                                <p:childTnLst>
+                                  <p:par>
+                                    <p:cTn id="5" presetID="2" presetClass="entr" presetSubtype="4" fill="hold" nodeType="afterEffect" p14:presetBounceEnd="60000">
+                                      <p:stCondLst>
+                                        <p:cond delay="0"/>
+                                      </p:stCondLst>
+                                      <p:childTnLst>
+                                        <p:set>
+                                          <p:cBhvr>
+                                            <p:cTn id="6" dur="1" fill="hold">
+                                              <p:stCondLst>
+                                                <p:cond delay="0"/>
+                                              </p:stCondLst>
+                                            </p:cTn>
+                                            <p:tgtEl>
+                                              <p:spTgt spid="19"/>
+                                            </p:tgtEl>
+                                            <p:attrNameLst>
+                                              <p:attrName>style.visibility</p:attrName>
+                                            </p:attrNameLst>
+                                          </p:cBhvr>
+                                          <p:to>
+                                            <p:strVal val="visible"/>
+                                          </p:to>
+                                        </p:set>
+                                        <p:anim calcmode="lin" valueType="num" p14:bounceEnd="60000">
+                                          <p:cBhvr additive="base">
+                                            <p:cTn id="7" dur="750" fill="hold"/>
+                                            <p:tgtEl>
+                                              <p:spTgt spid="19"/>
+                                            </p:tgtEl>
+                                            <p:attrNameLst>
+                                              <p:attrName>ppt_x</p:attrName>
+                                            </p:attrNameLst>
+                                          </p:cBhvr>
+                                          <p:tavLst>
+                                            <p:tav tm="0">
+                                              <p:val>
+                                                <p:strVal val="#ppt_x"/>
+                                              </p:val>
+                                            </p:tav>
+                                            <p:tav tm="100000">
+                                              <p:val>
+                                                <p:strVal val="#ppt_x"/>
+                                              </p:val>
+                                            </p:tav>
+                                          </p:tavLst>
+                                        </p:anim>
+                                        <p:anim calcmode="lin" valueType="num" p14:bounceEnd="60000">
+                                          <p:cBhvr additive="base">
+                                            <p:cTn id="8" dur="750" fill="hold"/>
+                                            <p:tgtEl>
+                                              <p:spTgt spid="19"/>
+                                            </p:tgtEl>
+                                            <p:attrNameLst>
+                                              <p:attrName>ppt_y</p:attrName>
+                                            </p:attrNameLst>
+                                          </p:cBhvr>
+                                          <p:tavLst>
+                                            <p:tav tm="0">
+                                              <p:val>
+                                                <p:strVal val="1+#ppt_h/2"/>
+                                              </p:val>
+                                            </p:tav>
+                                            <p:tav tm="100000">
+                                              <p:val>
+                                                <p:strVal val="#ppt_y"/>
+                                              </p:val>
+                                            </p:tav>
+                                          </p:tavLst>
+                                        </p:anim>
+                                      </p:childTnLst>
+                                    </p:cTn>
+                                  </p:par>
+                                  <p:par>
+                                    <p:cTn id="9" presetID="2" presetClass="entr" presetSubtype="8" fill="hold" nodeType="withEffect" p14:presetBounceEnd="60000">
+                                      <p:stCondLst>
+                                        <p:cond delay="0"/>
+                                      </p:stCondLst>
+                                      <p:childTnLst>
+                                        <p:set>
+                                          <p:cBhvr>
+                                            <p:cTn id="10" dur="1" fill="hold">
+                                              <p:stCondLst>
+                                                <p:cond delay="0"/>
+                                              </p:stCondLst>
+                                            </p:cTn>
+                                            <p:tgtEl>
+                                              <p:spTgt spid="11"/>
+                                            </p:tgtEl>
+                                            <p:attrNameLst>
+                                              <p:attrName>style.visibility</p:attrName>
+                                            </p:attrNameLst>
+                                          </p:cBhvr>
+                                          <p:to>
+                                            <p:strVal val="visible"/>
+                                          </p:to>
+                                        </p:set>
+                                        <p:anim calcmode="lin" valueType="num" p14:bounceEnd="60000">
+                                          <p:cBhvr additive="base">
+                                            <p:cTn id="11" dur="750" fill="hold"/>
+                                            <p:tgtEl>
+                                              <p:spTgt spid="11"/>
+                                            </p:tgtEl>
+                                            <p:attrNameLst>
+                                              <p:attrName>ppt_x</p:attrName>
+                                            </p:attrNameLst>
+                                          </p:cBhvr>
+                                          <p:tavLst>
+                                            <p:tav tm="0">
+                                              <p:val>
+                                                <p:strVal val="0-#ppt_w/2"/>
+                                              </p:val>
+                                            </p:tav>
+                                            <p:tav tm="100000">
+                                              <p:val>
+                                                <p:strVal val="#ppt_x"/>
+                                              </p:val>
+                                            </p:tav>
+                                          </p:tavLst>
+                                        </p:anim>
+                                        <p:anim calcmode="lin" valueType="num" p14:bounceEnd="60000">
+                                          <p:cBhvr additive="base">
+                                            <p:cTn id="12" dur="750" fill="hold"/>
+                                            <p:tgtEl>
+                                              <p:spTgt spid="11"/>
+                                            </p:tgtEl>
+                                            <p:attrNameLst>
+                                              <p:attrName>ppt_y</p:attrName>
+                                            </p:attrNameLst>
+                                          </p:cBhvr>
+                                          <p:tavLst>
+                                            <p:tav tm="0">
+                                              <p:val>
+                                                <p:strVal val="#ppt_y"/>
+                                              </p:val>
+                                            </p:tav>
+                                            <p:tav tm="100000">
+                                              <p:val>
+                                                <p:strVal val="#ppt_y"/>
+                                              </p:val>
+                                            </p:tav>
+                                          </p:tavLst>
+                                        </p:anim>
+                                      </p:childTnLst>
+                                    </p:cTn>
+                                  </p:par>
+                                  <p:par>
+                                    <p:cTn id="13" presetID="2" presetClass="entr" presetSubtype="2" fill="hold" nodeType="withEffect" p14:presetBounceEnd="60000">
+                                      <p:stCondLst>
+                                        <p:cond delay="0"/>
+                                      </p:stCondLst>
+                                      <p:childTnLst>
+                                        <p:set>
+                                          <p:cBhvr>
+                                            <p:cTn id="14" dur="1" fill="hold">
+                                              <p:stCondLst>
+                                                <p:cond delay="0"/>
+                                              </p:stCondLst>
+                                            </p:cTn>
+                                            <p:tgtEl>
+                                              <p:spTgt spid="14"/>
+                                            </p:tgtEl>
+                                            <p:attrNameLst>
+                                              <p:attrName>style.visibility</p:attrName>
+                                            </p:attrNameLst>
+                                          </p:cBhvr>
+                                          <p:to>
+                                            <p:strVal val="visible"/>
+                                          </p:to>
+                                        </p:set>
+                                        <p:anim calcmode="lin" valueType="num" p14:bounceEnd="60000">
+                                          <p:cBhvr additive="base">
+                                            <p:cTn id="15" dur="750" fill="hold"/>
+                                            <p:tgtEl>
+                                              <p:spTgt spid="14"/>
+                                            </p:tgtEl>
+                                            <p:attrNameLst>
+                                              <p:attrName>ppt_x</p:attrName>
+                                            </p:attrNameLst>
+                                          </p:cBhvr>
+                                          <p:tavLst>
+                                            <p:tav tm="0">
+                                              <p:val>
+                                                <p:strVal val="1+#ppt_w/2"/>
+                                              </p:val>
+                                            </p:tav>
+                                            <p:tav tm="100000">
+                                              <p:val>
+                                                <p:strVal val="#ppt_x"/>
+                                              </p:val>
+                                            </p:tav>
+                                          </p:tavLst>
+                                        </p:anim>
+                                        <p:anim calcmode="lin" valueType="num" p14:bounceEnd="60000">
+                                          <p:cBhvr additive="base">
+                                            <p:cTn id="16" dur="750" fill="hold"/>
+                                            <p:tgtEl>
+                                              <p:spTgt spid="14"/>
+                                            </p:tgtEl>
+                                            <p:attrNameLst>
+                                              <p:attrName>ppt_y</p:attrName>
+                                            </p:attrNameLst>
+                                          </p:cBhvr>
+                                          <p:tavLst>
+                                            <p:tav tm="0">
+                                              <p:val>
+                                                <p:strVal val="#ppt_y"/>
+                                              </p:val>
+                                            </p:tav>
+                                            <p:tav tm="100000">
+                                              <p:val>
+                                                <p:strVal val="#ppt_y"/>
+                                              </p:val>
+                                            </p:tav>
+                                          </p:tavLst>
+                                        </p:anim>
+                                      </p:childTnLst>
+                                    </p:cTn>
+                                  </p:par>
+                                </p:childTnLst>
+                              </p:cTn>
+                            </p:par>
+                          </p:childTnLst>
+                        </p:cTn>
+                      </p:par>
+                    </p:childTnLst>
+                  </p:cTn>
+                  <p:prevCondLst>
+                    <p:cond evt="onPrev" delay="0">
+                      <p:tgtEl>
+                        <p:sldTgt/>
+                      </p:tgtEl>
+                    </p:cond>
+                  </p:prevCondLst>
+                  <p:nextCondLst>
+                    <p:cond evt="onNext" delay="0">
+                      <p:tgtEl>
+                        <p:sldTgt/>
+                      </p:tgtEl>
+                    </p:cond>
+                  </p:nextCondLst>
+                </p:seq>
+              </p:childTnLst>
+            </p:cTn>
+          </p:par>
+        </p:tnLst>
+      </p:timing>
+    </mc:Choice>
+    <mc:Fallback xmlns="">
+      <p:timing>
+        <p:tnLst>
+          <p:par>
+            <p:cTn id="1" dur="indefinite" restart="never" nodeType="tmRoot">
+              <p:childTnLst>
+                <p:seq concurrent="1" nextAc="seek">
+                  <p:cTn id="2" dur="indefinite" nodeType="mainSeq">
+                    <p:childTnLst>
+                      <p:par>
+                        <p:cTn id="3" fill="hold">
+                          <p:stCondLst>
+                            <p:cond delay="indefinite"/>
+                            <p:cond evt="onBegin" delay="0">
+                              <p:tn val="2"/>
+                            </p:cond>
+                          </p:stCondLst>
+                          <p:childTnLst>
+                            <p:par>
+                              <p:cTn id="4" fill="hold">
+                                <p:stCondLst>
+                                  <p:cond delay="0"/>
+                                </p:stCondLst>
+                                <p:childTnLst>
+                                  <p:par>
+                                    <p:cTn id="5" presetID="2" presetClass="entr" presetSubtype="4" fill="hold" nodeType="afterEffect">
+                                      <p:stCondLst>
+                                        <p:cond delay="0"/>
+                                      </p:stCondLst>
+                                      <p:childTnLst>
+                                        <p:set>
+                                          <p:cBhvr>
+                                            <p:cTn id="6" dur="1" fill="hold">
+                                              <p:stCondLst>
+                                                <p:cond delay="0"/>
+                                              </p:stCondLst>
+                                            </p:cTn>
+                                            <p:tgtEl>
+                                              <p:spTgt spid="19"/>
+                                            </p:tgtEl>
+                                            <p:attrNameLst>
+                                              <p:attrName>style.visibility</p:attrName>
+                                            </p:attrNameLst>
+                                          </p:cBhvr>
+                                          <p:to>
+                                            <p:strVal val="visible"/>
+                                          </p:to>
+                                        </p:set>
+                                        <p:anim calcmode="lin" valueType="num">
+                                          <p:cBhvr additive="base">
+                                            <p:cTn id="7" dur="750" fill="hold"/>
+                                            <p:tgtEl>
+                                              <p:spTgt spid="19"/>
+                                            </p:tgtEl>
+                                            <p:attrNameLst>
+                                              <p:attrName>ppt_x</p:attrName>
+                                            </p:attrNameLst>
+                                          </p:cBhvr>
+                                          <p:tavLst>
+                                            <p:tav tm="0">
+                                              <p:val>
+                                                <p:strVal val="#ppt_x"/>
+                                              </p:val>
+                                            </p:tav>
+                                            <p:tav tm="100000">
+                                              <p:val>
+                                                <p:strVal val="#ppt_x"/>
+                                              </p:val>
+                                            </p:tav>
+                                          </p:tavLst>
+                                        </p:anim>
+                                        <p:anim calcmode="lin" valueType="num">
+                                          <p:cBhvr additive="base">
+                                            <p:cTn id="8" dur="750" fill="hold"/>
+                                            <p:tgtEl>
+                                              <p:spTgt spid="19"/>
+                                            </p:tgtEl>
+                                            <p:attrNameLst>
+                                              <p:attrName>ppt_y</p:attrName>
+                                            </p:attrNameLst>
+                                          </p:cBhvr>
+                                          <p:tavLst>
+                                            <p:tav tm="0">
+                                              <p:val>
+                                                <p:strVal val="1+#ppt_h/2"/>
+                                              </p:val>
+                                            </p:tav>
+                                            <p:tav tm="100000">
+                                              <p:val>
+                                                <p:strVal val="#ppt_y"/>
+                                              </p:val>
+                                            </p:tav>
+                                          </p:tavLst>
+                                        </p:anim>
+                                      </p:childTnLst>
+                                    </p:cTn>
+                                  </p:par>
+                                  <p:par>
+                                    <p:cTn id="9" presetID="2" presetClass="entr" presetSubtype="8" fill="hold" nodeType="withEffect">
+                                      <p:stCondLst>
+                                        <p:cond delay="0"/>
+                                      </p:stCondLst>
+                                      <p:childTnLst>
+                                        <p:set>
+                                          <p:cBhvr>
+                                            <p:cTn id="10" dur="1" fill="hold">
+                                              <p:stCondLst>
+                                                <p:cond delay="0"/>
+                                              </p:stCondLst>
+                                            </p:cTn>
+                                            <p:tgtEl>
+                                              <p:spTgt spid="11"/>
+                                            </p:tgtEl>
+                                            <p:attrNameLst>
+                                              <p:attrName>style.visibility</p:attrName>
+                                            </p:attrNameLst>
+                                          </p:cBhvr>
+                                          <p:to>
+                                            <p:strVal val="visible"/>
+                                          </p:to>
+                                        </p:set>
+                                        <p:anim calcmode="lin" valueType="num">
+                                          <p:cBhvr additive="base">
+                                            <p:cTn id="11" dur="750" fill="hold"/>
+                                            <p:tgtEl>
+                                              <p:spTgt spid="11"/>
+                                            </p:tgtEl>
+                                            <p:attrNameLst>
+                                              <p:attrName>ppt_x</p:attrName>
+                                            </p:attrNameLst>
+                                          </p:cBhvr>
+                                          <p:tavLst>
+                                            <p:tav tm="0">
+                                              <p:val>
+                                                <p:strVal val="0-#ppt_w/2"/>
+                                              </p:val>
+                                            </p:tav>
+                                            <p:tav tm="100000">
+                                              <p:val>
+                                                <p:strVal val="#ppt_x"/>
+                                              </p:val>
+                                            </p:tav>
+                                          </p:tavLst>
+                                        </p:anim>
+                                        <p:anim calcmode="lin" valueType="num">
+                                          <p:cBhvr additive="base">
+                                            <p:cTn id="12" dur="750" fill="hold"/>
+                                            <p:tgtEl>
+                                              <p:spTgt spid="11"/>
+                                            </p:tgtEl>
+                                            <p:attrNameLst>
+                                              <p:attrName>ppt_y</p:attrName>
+                                            </p:attrNameLst>
+                                          </p:cBhvr>
+                                          <p:tavLst>
+                                            <p:tav tm="0">
+                                              <p:val>
+                                                <p:strVal val="#ppt_y"/>
+                                              </p:val>
+                                            </p:tav>
+                                            <p:tav tm="100000">
+                                              <p:val>
+                                                <p:strVal val="#ppt_y"/>
+                                              </p:val>
+                                            </p:tav>
+                                          </p:tavLst>
+                                        </p:anim>
+                                      </p:childTnLst>
+                                    </p:cTn>
+                                  </p:par>
+                                  <p:par>
+                                    <p:cTn id="13" presetID="2" presetClass="entr" presetSubtype="2" fill="hold" nodeType="withEffect">
+                                      <p:stCondLst>
+                                        <p:cond delay="0"/>
+                                      </p:stCondLst>
+                                      <p:childTnLst>
+                                        <p:set>
+                                          <p:cBhvr>
+                                            <p:cTn id="14" dur="1" fill="hold">
+                                              <p:stCondLst>
+                                                <p:cond delay="0"/>
+                                              </p:stCondLst>
+                                            </p:cTn>
+                                            <p:tgtEl>
+                                              <p:spTgt spid="14"/>
+                                            </p:tgtEl>
+                                            <p:attrNameLst>
+                                              <p:attrName>style.visibility</p:attrName>
+                                            </p:attrNameLst>
+                                          </p:cBhvr>
+                                          <p:to>
+                                            <p:strVal val="visible"/>
+                                          </p:to>
+                                        </p:set>
+                                        <p:anim calcmode="lin" valueType="num">
+                                          <p:cBhvr additive="base">
+                                            <p:cTn id="15" dur="750" fill="hold"/>
+                                            <p:tgtEl>
+                                              <p:spTgt spid="14"/>
+                                            </p:tgtEl>
+                                            <p:attrNameLst>
+                                              <p:attrName>ppt_x</p:attrName>
+                                            </p:attrNameLst>
+                                          </p:cBhvr>
+                                          <p:tavLst>
+                                            <p:tav tm="0">
+                                              <p:val>
+                                                <p:strVal val="1+#ppt_w/2"/>
+                                              </p:val>
+                                            </p:tav>
+                                            <p:tav tm="100000">
+                                              <p:val>
+                                                <p:strVal val="#ppt_x"/>
+                                              </p:val>
+                                            </p:tav>
+                                          </p:tavLst>
+                                        </p:anim>
+                                        <p:anim calcmode="lin" valueType="num">
+                                          <p:cBhvr additive="base">
+                                            <p:cTn id="16" dur="750" fill="hold"/>
+                                            <p:tgtEl>
+                                              <p:spTgt spid="14"/>
+                                            </p:tgtEl>
+                                            <p:attrNameLst>
+                                              <p:attrName>ppt_y</p:attrName>
+                                            </p:attrNameLst>
+                                          </p:cBhvr>
+                                          <p:tavLst>
+                                            <p:tav tm="0">
+                                              <p:val>
+                                                <p:strVal val="#ppt_y"/>
+                                              </p:val>
+                                            </p:tav>
+                                            <p:tav tm="100000">
+                                              <p:val>
+                                                <p:strVal val="#ppt_y"/>
+                                              </p:val>
+                                            </p:tav>
+                                          </p:tavLst>
+                                        </p:anim>
+                                      </p:childTnLst>
+                                    </p:cTn>
+                                  </p:par>
+                                </p:childTnLst>
+                              </p:cTn>
+                            </p:par>
+                          </p:childTnLst>
+                        </p:cTn>
+                      </p:par>
+                    </p:childTnLst>
+                  </p:cTn>
+                  <p:prevCondLst>
+                    <p:cond evt="onPrev" delay="0">
+                      <p:tgtEl>
+                        <p:sldTgt/>
+                      </p:tgtEl>
+                    </p:cond>
+                  </p:prevCondLst>
+                  <p:nextCondLst>
+                    <p:cond evt="onNext" delay="0">
+                      <p:tgtEl>
+                        <p:sldTgt/>
+                      </p:tgtEl>
+                    </p:cond>
+                  </p:nextCondLst>
+                </p:seq>
+              </p:childTnLst>
+            </p:cTn>
+          </p:par>
+        </p:tnLst>
+      </p:timing>
+    </mc:Fallback>
+  </mc:AlternateContent>
+</p:sld>
+</file>
+
+<file path=ppt/slides/slide11.xml><?xml version="1.0" encoding="utf-8"?>
+<p:sld xmlns:a="http://schemas.openxmlformats.org/drawingml/2006/main" xmlns:r="http://schemas.openxmlformats.org/officeDocument/2006/relationships" xmlns:p="http://schemas.openxmlformats.org/presentationml/2006/main">
+  <p:cSld>
+    <p:spTree>
+      <p:nvGrpSpPr>
+        <p:cNvPr id="1" name=""/>
+        <p:cNvGrpSpPr/>
+        <p:nvPr/>
+      </p:nvGrpSpPr>
+      <p:grpSpPr>
+        <a:xfrm>
+          <a:off x="0" y="0"/>
+          <a:ext cx="0" cy="0"/>
+          <a:chOff x="0" y="0"/>
+          <a:chExt cx="0" cy="0"/>
+        </a:xfrm>
+      </p:grpSpPr>
       <p:sp>
         <p:nvSpPr>
           <p:cNvPr id="29" name="Text Placeholder 28">
@@ -18495,6 +19538,13 @@
       </p:transition>
     </mc:Fallback>
   </mc:AlternateContent>
+  <p:timing>
+    <p:tnLst>
+      <p:par>
+        <p:cTn id="1" dur="indefinite" restart="never" nodeType="tmRoot"/>
+      </p:par>
+    </p:tnLst>
+  </p:timing>
 </p:sld>
 </file>
 
@@ -21140,6 +22190,141 @@
           <a:lstStyle/>
           <a:p>
             <a:r>
+              <a:rPr lang="en-ID" dirty="0" smtClean="0"/>
+              <a:t>CHAM</a:t>
+            </a:r>
+            <a:endParaRPr lang="en-ID" dirty="0"/>
+          </a:p>
+        </p:txBody>
+      </p:sp>
+      <p:sp>
+        <p:nvSpPr>
+          <p:cNvPr id="28" name="Text Placeholder 27">
+            <a:extLst>
+              <a:ext uri="{FF2B5EF4-FFF2-40B4-BE49-F238E27FC236}">
+                <a16:creationId xmlns:a16="http://schemas.microsoft.com/office/drawing/2014/main" id="{DB49EC7C-3FF2-4661-98F5-83B2D8A96317}"/>
+              </a:ext>
+            </a:extLst>
+          </p:cNvPr>
+          <p:cNvSpPr>
+            <a:spLocks noGrp="1"/>
+          </p:cNvSpPr>
+          <p:nvPr>
+            <p:ph type="body" sz="quarter" idx="10"/>
+          </p:nvPr>
+        </p:nvSpPr>
+        <p:spPr/>
+        <p:txBody>
+          <a:bodyPr/>
+          <a:lstStyle/>
+          <a:p>
+            <a:r>
+              <a:rPr lang="en-US" altLang="ko-KR" dirty="0" smtClean="0"/>
+              <a:t>DB</a:t>
+            </a:r>
+            <a:r>
+              <a:rPr lang="ko-KR" altLang="en-US" dirty="0" smtClean="0"/>
+              <a:t>구조</a:t>
+            </a:r>
+            <a:endParaRPr lang="en-ID" dirty="0"/>
+          </a:p>
+        </p:txBody>
+      </p:sp>
+      <p:pic>
+        <p:nvPicPr>
+          <p:cNvPr id="2" name="그림 1"/>
+          <p:cNvPicPr>
+            <a:picLocks noChangeAspect="1"/>
+          </p:cNvPicPr>
+          <p:nvPr/>
+        </p:nvPicPr>
+        <p:blipFill>
+          <a:blip r:embed="rId2"/>
+          <a:stretch>
+            <a:fillRect/>
+          </a:stretch>
+        </p:blipFill>
+        <p:spPr>
+          <a:xfrm>
+            <a:off x="1216152" y="1272134"/>
+            <a:ext cx="9857232" cy="4514441"/>
+          </a:xfrm>
+          <a:prstGeom prst="rect">
+            <a:avLst/>
+          </a:prstGeom>
+        </p:spPr>
+      </p:pic>
+    </p:spTree>
+    <p:extLst>
+      <p:ext uri="{BB962C8B-B14F-4D97-AF65-F5344CB8AC3E}">
+        <p14:creationId xmlns:p14="http://schemas.microsoft.com/office/powerpoint/2010/main" val="967502698"/>
+      </p:ext>
+    </p:extLst>
+  </p:cSld>
+  <p:clrMapOvr>
+    <a:masterClrMapping/>
+  </p:clrMapOvr>
+  <mc:AlternateContent xmlns:mc="http://schemas.openxmlformats.org/markup-compatibility/2006" xmlns:p14="http://schemas.microsoft.com/office/powerpoint/2010/main">
+    <mc:Choice Requires="p14">
+      <p:transition spd="med" p14:dur="700">
+        <p:fade/>
+      </p:transition>
+    </mc:Choice>
+    <mc:Fallback xmlns="">
+      <p:transition spd="med">
+        <p:fade/>
+      </p:transition>
+    </mc:Fallback>
+  </mc:AlternateContent>
+  <p:timing>
+    <p:tnLst>
+      <p:par>
+        <p:cTn id="1" dur="indefinite" restart="never" nodeType="tmRoot"/>
+      </p:par>
+    </p:tnLst>
+  </p:timing>
+</p:sld>
+</file>
+
+<file path=ppt/slides/slide6.xml><?xml version="1.0" encoding="utf-8"?>
+<p:sld xmlns:a="http://schemas.openxmlformats.org/drawingml/2006/main" xmlns:r="http://schemas.openxmlformats.org/officeDocument/2006/relationships" xmlns:p="http://schemas.openxmlformats.org/presentationml/2006/main">
+  <p:cSld>
+    <p:spTree>
+      <p:nvGrpSpPr>
+        <p:cNvPr id="1" name=""/>
+        <p:cNvGrpSpPr/>
+        <p:nvPr/>
+      </p:nvGrpSpPr>
+      <p:grpSpPr>
+        <a:xfrm>
+          <a:off x="0" y="0"/>
+          <a:ext cx="0" cy="0"/>
+          <a:chOff x="0" y="0"/>
+          <a:chExt cx="0" cy="0"/>
+        </a:xfrm>
+      </p:grpSpPr>
+      <p:sp>
+        <p:nvSpPr>
+          <p:cNvPr id="29" name="Text Placeholder 28">
+            <a:extLst>
+              <a:ext uri="{FF2B5EF4-FFF2-40B4-BE49-F238E27FC236}">
+                <a16:creationId xmlns:a16="http://schemas.microsoft.com/office/drawing/2014/main" id="{9D3B666F-A44D-4EA1-B3AC-488629CA20A7}"/>
+              </a:ext>
+            </a:extLst>
+          </p:cNvPr>
+          <p:cNvSpPr>
+            <a:spLocks noGrp="1"/>
+          </p:cNvSpPr>
+          <p:nvPr>
+            <p:ph type="body" sz="quarter" idx="11"/>
+          </p:nvPr>
+        </p:nvSpPr>
+        <p:spPr/>
+        <p:txBody>
+          <a:bodyPr/>
+          <a:lstStyle/>
+          <a:p>
+            <a:r>
               <a:rPr lang="ko-KR" altLang="en-US" dirty="0" smtClean="0"/>
               <a:t>회원가입</a:t>
             </a:r>
@@ -21466,14 +22651,7 @@
                 <a:ea typeface="Open Sans Light" panose="020B0306030504020204" pitchFamily="34" charset="0"/>
                 <a:cs typeface="Open Sans Light" panose="020B0306030504020204" pitchFamily="34" charset="0"/>
               </a:rPr>
-              <a:t> </a:t>
-            </a:r>
-            <a:r>
-              <a:rPr lang="ko-KR" altLang="en-US" sz="1050" dirty="0" smtClean="0">
-                <a:ea typeface="Open Sans Light" panose="020B0306030504020204" pitchFamily="34" charset="0"/>
-                <a:cs typeface="Open Sans Light" panose="020B0306030504020204" pitchFamily="34" charset="0"/>
-              </a:rPr>
-              <a:t>암호화된 값과 비교 후 로그인</a:t>
+              <a:t> 암호화된 값과 비교 후 로그인</a:t>
             </a:r>
             <a:endParaRPr lang="en-US" sz="1050" dirty="0">
               <a:ea typeface="Open Sans Light" panose="020B0306030504020204" pitchFamily="34" charset="0"/>
@@ -21635,14 +22813,7 @@
                 <a:ea typeface="Open Sans Light" panose="020B0306030504020204" pitchFamily="34" charset="0"/>
                 <a:cs typeface="Open Sans Light" panose="020B0306030504020204" pitchFamily="34" charset="0"/>
               </a:rPr>
-              <a:t>사용자들의 능동적 참여를 유도</a:t>
-            </a:r>
-            <a:r>
-              <a:rPr lang="ko-KR" altLang="en-US" sz="1050" dirty="0" smtClean="0">
-                <a:ea typeface="Open Sans Light" panose="020B0306030504020204" pitchFamily="34" charset="0"/>
-                <a:cs typeface="Open Sans Light" panose="020B0306030504020204" pitchFamily="34" charset="0"/>
-              </a:rPr>
-              <a:t> </a:t>
+              <a:t>사용자들의 능동적 참여를 유도 </a:t>
             </a:r>
             <a:endParaRPr lang="en-US" sz="1050" dirty="0">
               <a:ea typeface="Open Sans Light" panose="020B0306030504020204" pitchFamily="34" charset="0"/>
@@ -21749,8 +22920,8 @@
       </p:transition>
     </mc:Fallback>
   </mc:AlternateContent>
-  <mc:AlternateContent xmlns:mc="http://schemas.openxmlformats.org/markup-compatibility/2006">
-    <mc:Choice xmlns:p14="http://schemas.microsoft.com/office/powerpoint/2010/main" Requires="p14">
+  <mc:AlternateContent xmlns:mc="http://schemas.openxmlformats.org/markup-compatibility/2006" xmlns:p14="http://schemas.microsoft.com/office/powerpoint/2010/main">
+    <mc:Choice Requires="p14">
       <p:timing>
         <p:tnLst>
           <p:par>
@@ -22406,7 +23577,7 @@
         </p:bldLst>
       </p:timing>
     </mc:Choice>
-    <mc:Fallback>
+    <mc:Fallback xmlns="">
       <p:timing>
         <p:tnLst>
           <p:par>
@@ -23066,7 +24237,7 @@
 </p:sld>
 </file>
 
-<file path=ppt/slides/slide6.xml><?xml version="1.0" encoding="utf-8"?>
+<file path=ppt/slides/slide7.xml><?xml version="1.0" encoding="utf-8"?>
 <p:sld xmlns:a="http://schemas.openxmlformats.org/drawingml/2006/main" xmlns:r="http://schemas.openxmlformats.org/officeDocument/2006/relationships" xmlns:p="http://schemas.openxmlformats.org/presentationml/2006/main">
   <p:cSld>
     <p:spTree>
@@ -24801,7 +25972,7 @@
 </p:sld>
 </file>
 
-<file path=ppt/slides/slide7.xml><?xml version="1.0" encoding="utf-8"?>
+<file path=ppt/slides/slide8.xml><?xml version="1.0" encoding="utf-8"?>
 <p:sld xmlns:a="http://schemas.openxmlformats.org/drawingml/2006/main" xmlns:r="http://schemas.openxmlformats.org/officeDocument/2006/relationships" xmlns:p="http://schemas.openxmlformats.org/presentationml/2006/main">
   <p:cSld>
     <p:spTree>
@@ -25905,7 +27076,7 @@
 </p:sld>
 </file>
 
-<file path=ppt/slides/slide8.xml><?xml version="1.0" encoding="utf-8"?>
+<file path=ppt/slides/slide9.xml><?xml version="1.0" encoding="utf-8"?>
 <p:sld xmlns:a="http://schemas.openxmlformats.org/drawingml/2006/main" xmlns:r="http://schemas.openxmlformats.org/officeDocument/2006/relationships" xmlns:p="http://schemas.openxmlformats.org/presentationml/2006/main">
   <p:cSld>
     <p:spTree>
@@ -26221,8 +27392,8 @@
       </p:transition>
     </mc:Fallback>
   </mc:AlternateContent>
-  <mc:AlternateContent xmlns:mc="http://schemas.openxmlformats.org/markup-compatibility/2006">
-    <mc:Choice xmlns:p14="http://schemas.microsoft.com/office/powerpoint/2010/main" Requires="p14">
+  <mc:AlternateContent xmlns:mc="http://schemas.openxmlformats.org/markup-compatibility/2006" xmlns:p14="http://schemas.microsoft.com/office/powerpoint/2010/main">
+    <mc:Choice Requires="p14">
       <p:timing>
         <p:tnLst>
           <p:par>
@@ -26425,7 +27596,7 @@
         </p:bldLst>
       </p:timing>
     </mc:Choice>
-    <mc:Fallback>
+    <mc:Fallback xmlns="">
       <p:timing>
         <p:tnLst>
           <p:par>
@@ -26626,1048 +27797,6 @@
           <p:bldP spid="18" grpId="0"/>
           <p:bldP spid="19" grpId="0"/>
         </p:bldLst>
-      </p:timing>
-    </mc:Fallback>
-  </mc:AlternateContent>
-</p:sld>
-</file>
-
-<file path=ppt/slides/slide9.xml><?xml version="1.0" encoding="utf-8"?>
-<p:sld xmlns:a="http://schemas.openxmlformats.org/drawingml/2006/main" xmlns:r="http://schemas.openxmlformats.org/officeDocument/2006/relationships" xmlns:p="http://schemas.openxmlformats.org/presentationml/2006/main">
-  <p:cSld>
-    <p:spTree>
-      <p:nvGrpSpPr>
-        <p:cNvPr id="1" name=""/>
-        <p:cNvGrpSpPr/>
-        <p:nvPr/>
-      </p:nvGrpSpPr>
-      <p:grpSpPr>
-        <a:xfrm>
-          <a:off x="0" y="0"/>
-          <a:ext cx="0" cy="0"/>
-          <a:chOff x="0" y="0"/>
-          <a:chExt cx="0" cy="0"/>
-        </a:xfrm>
-      </p:grpSpPr>
-      <p:grpSp>
-        <p:nvGrpSpPr>
-          <p:cNvPr id="11" name="Group 10">
-            <a:extLst>
-              <a:ext uri="{FF2B5EF4-FFF2-40B4-BE49-F238E27FC236}">
-                <a16:creationId xmlns:a16="http://schemas.microsoft.com/office/drawing/2014/main" id="{D75C5B10-A3BD-4F07-BA52-4F707A033CBF}"/>
-              </a:ext>
-            </a:extLst>
-          </p:cNvPr>
-          <p:cNvGrpSpPr/>
-          <p:nvPr/>
-        </p:nvGrpSpPr>
-        <p:grpSpPr>
-          <a:xfrm>
-            <a:off x="1121645" y="1806181"/>
-            <a:ext cx="4812007" cy="2818347"/>
-            <a:chOff x="2961076" y="1683535"/>
-            <a:chExt cx="6750104" cy="3953472"/>
-          </a:xfrm>
-        </p:grpSpPr>
-        <p:pic>
-          <p:nvPicPr>
-            <p:cNvPr id="12" name="Picture 11">
-              <a:extLst>
-                <a:ext uri="{FF2B5EF4-FFF2-40B4-BE49-F238E27FC236}">
-                  <a16:creationId xmlns:a16="http://schemas.microsoft.com/office/drawing/2014/main" id="{64C8A720-848D-4C06-90E2-5DA717B134C2}"/>
-                </a:ext>
-              </a:extLst>
-            </p:cNvPr>
-            <p:cNvPicPr>
-              <a:picLocks noChangeAspect="1"/>
-            </p:cNvPicPr>
-            <p:nvPr/>
-          </p:nvPicPr>
-          <p:blipFill rotWithShape="1">
-            <a:blip r:embed="rId2" cstate="hqprint">
-              <a:extLst>
-                <a:ext uri="{28A0092B-C50C-407E-A947-70E740481C1C}">
-                  <a14:useLocalDpi xmlns:a14="http://schemas.microsoft.com/office/drawing/2010/main" val="0"/>
-                </a:ext>
-              </a:extLst>
-            </a:blip>
-            <a:srcRect l="3097" t="2338" r="3005" b="2877"/>
-            <a:stretch/>
-          </p:blipFill>
-          <p:spPr>
-            <a:xfrm>
-              <a:off x="2961076" y="1683535"/>
-              <a:ext cx="6750104" cy="3953472"/>
-            </a:xfrm>
-            <a:prstGeom prst="rect">
-              <a:avLst/>
-            </a:prstGeom>
-          </p:spPr>
-        </p:pic>
-        <p:sp>
-          <p:nvSpPr>
-            <p:cNvPr id="13" name="Rectangle 12">
-              <a:extLst>
-                <a:ext uri="{FF2B5EF4-FFF2-40B4-BE49-F238E27FC236}">
-                  <a16:creationId xmlns:a16="http://schemas.microsoft.com/office/drawing/2014/main" id="{FF0467A6-6043-4EA1-9180-A26CD9C3A6E9}"/>
-                </a:ext>
-              </a:extLst>
-            </p:cNvPr>
-            <p:cNvSpPr/>
-            <p:nvPr/>
-          </p:nvSpPr>
-          <p:spPr>
-            <a:xfrm>
-              <a:off x="3832411" y="2010335"/>
-              <a:ext cx="4995065" cy="3119718"/>
-            </a:xfrm>
-            <a:prstGeom prst="rect">
-              <a:avLst/>
-            </a:prstGeom>
-            <a:solidFill>
-              <a:schemeClr val="tx2"/>
-            </a:solidFill>
-            <a:ln>
-              <a:noFill/>
-            </a:ln>
-          </p:spPr>
-          <p:style>
-            <a:lnRef idx="2">
-              <a:schemeClr val="accent1">
-                <a:shade val="50000"/>
-              </a:schemeClr>
-            </a:lnRef>
-            <a:fillRef idx="1">
-              <a:schemeClr val="accent1"/>
-            </a:fillRef>
-            <a:effectRef idx="0">
-              <a:schemeClr val="accent1"/>
-            </a:effectRef>
-            <a:fontRef idx="minor">
-              <a:schemeClr val="lt1"/>
-            </a:fontRef>
-          </p:style>
-          <p:txBody>
-            <a:bodyPr rtlCol="0" anchor="ctr"/>
-            <a:lstStyle/>
-            <a:p>
-              <a:pPr algn="ctr"/>
-              <a:endParaRPr lang="en-ID"/>
-            </a:p>
-          </p:txBody>
-        </p:sp>
-      </p:grpSp>
-      <p:grpSp>
-        <p:nvGrpSpPr>
-          <p:cNvPr id="14" name="Group 13">
-            <a:extLst>
-              <a:ext uri="{FF2B5EF4-FFF2-40B4-BE49-F238E27FC236}">
-                <a16:creationId xmlns:a16="http://schemas.microsoft.com/office/drawing/2014/main" id="{9AC84E5A-C957-48DF-8074-6B19B3F3C52F}"/>
-              </a:ext>
-            </a:extLst>
-          </p:cNvPr>
-          <p:cNvGrpSpPr/>
-          <p:nvPr/>
-        </p:nvGrpSpPr>
-        <p:grpSpPr>
-          <a:xfrm>
-            <a:off x="6269850" y="1806181"/>
-            <a:ext cx="4812007" cy="2818347"/>
-            <a:chOff x="2961076" y="1683535"/>
-            <a:chExt cx="6750104" cy="3953472"/>
-          </a:xfrm>
-        </p:grpSpPr>
-        <p:pic>
-          <p:nvPicPr>
-            <p:cNvPr id="15" name="Picture 14">
-              <a:extLst>
-                <a:ext uri="{FF2B5EF4-FFF2-40B4-BE49-F238E27FC236}">
-                  <a16:creationId xmlns:a16="http://schemas.microsoft.com/office/drawing/2014/main" id="{9B248A96-8A1A-457D-978D-B86D91CAAE80}"/>
-                </a:ext>
-              </a:extLst>
-            </p:cNvPr>
-            <p:cNvPicPr>
-              <a:picLocks noChangeAspect="1"/>
-            </p:cNvPicPr>
-            <p:nvPr/>
-          </p:nvPicPr>
-          <p:blipFill rotWithShape="1">
-            <a:blip r:embed="rId2" cstate="hqprint">
-              <a:extLst>
-                <a:ext uri="{28A0092B-C50C-407E-A947-70E740481C1C}">
-                  <a14:useLocalDpi xmlns:a14="http://schemas.microsoft.com/office/drawing/2010/main" val="0"/>
-                </a:ext>
-              </a:extLst>
-            </a:blip>
-            <a:srcRect l="3097" t="2338" r="3005" b="2877"/>
-            <a:stretch/>
-          </p:blipFill>
-          <p:spPr>
-            <a:xfrm>
-              <a:off x="2961076" y="1683535"/>
-              <a:ext cx="6750104" cy="3953472"/>
-            </a:xfrm>
-            <a:prstGeom prst="rect">
-              <a:avLst/>
-            </a:prstGeom>
-          </p:spPr>
-        </p:pic>
-        <p:sp>
-          <p:nvSpPr>
-            <p:cNvPr id="16" name="Rectangle 15">
-              <a:extLst>
-                <a:ext uri="{FF2B5EF4-FFF2-40B4-BE49-F238E27FC236}">
-                  <a16:creationId xmlns:a16="http://schemas.microsoft.com/office/drawing/2014/main" id="{BF97A3C9-B59A-4062-AAC4-A508DE49539D}"/>
-                </a:ext>
-              </a:extLst>
-            </p:cNvPr>
-            <p:cNvSpPr/>
-            <p:nvPr/>
-          </p:nvSpPr>
-          <p:spPr>
-            <a:xfrm>
-              <a:off x="3832411" y="2010335"/>
-              <a:ext cx="4995065" cy="3119718"/>
-            </a:xfrm>
-            <a:prstGeom prst="rect">
-              <a:avLst/>
-            </a:prstGeom>
-            <a:solidFill>
-              <a:schemeClr val="tx2"/>
-            </a:solidFill>
-            <a:ln>
-              <a:noFill/>
-            </a:ln>
-          </p:spPr>
-          <p:style>
-            <a:lnRef idx="2">
-              <a:schemeClr val="accent1">
-                <a:shade val="50000"/>
-              </a:schemeClr>
-            </a:lnRef>
-            <a:fillRef idx="1">
-              <a:schemeClr val="accent1"/>
-            </a:fillRef>
-            <a:effectRef idx="0">
-              <a:schemeClr val="accent1"/>
-            </a:effectRef>
-            <a:fontRef idx="minor">
-              <a:schemeClr val="lt1"/>
-            </a:fontRef>
-          </p:style>
-          <p:txBody>
-            <a:bodyPr rtlCol="0" anchor="ctr"/>
-            <a:lstStyle/>
-            <a:p>
-              <a:pPr algn="ctr"/>
-              <a:endParaRPr lang="en-ID"/>
-            </a:p>
-          </p:txBody>
-        </p:sp>
-      </p:grpSp>
-      <p:grpSp>
-        <p:nvGrpSpPr>
-          <p:cNvPr id="19" name="Group 18">
-            <a:extLst>
-              <a:ext uri="{FF2B5EF4-FFF2-40B4-BE49-F238E27FC236}">
-                <a16:creationId xmlns:a16="http://schemas.microsoft.com/office/drawing/2014/main" id="{BC158E67-71DC-491B-8D7A-CE637D693085}"/>
-              </a:ext>
-            </a:extLst>
-          </p:cNvPr>
-          <p:cNvGrpSpPr/>
-          <p:nvPr/>
-        </p:nvGrpSpPr>
-        <p:grpSpPr>
-          <a:xfrm>
-            <a:off x="3079154" y="1448629"/>
-            <a:ext cx="6034911" cy="3534590"/>
-            <a:chOff x="2961076" y="1683535"/>
-            <a:chExt cx="6750104" cy="3953472"/>
-          </a:xfrm>
-        </p:grpSpPr>
-        <p:pic>
-          <p:nvPicPr>
-            <p:cNvPr id="20" name="Picture 19">
-              <a:extLst>
-                <a:ext uri="{FF2B5EF4-FFF2-40B4-BE49-F238E27FC236}">
-                  <a16:creationId xmlns:a16="http://schemas.microsoft.com/office/drawing/2014/main" id="{95C6CA9F-9A23-41A5-8A8B-0054C0597DF2}"/>
-                </a:ext>
-              </a:extLst>
-            </p:cNvPr>
-            <p:cNvPicPr>
-              <a:picLocks noChangeAspect="1"/>
-            </p:cNvPicPr>
-            <p:nvPr/>
-          </p:nvPicPr>
-          <p:blipFill rotWithShape="1">
-            <a:blip r:embed="rId2" cstate="print">
-              <a:extLst>
-                <a:ext uri="{28A0092B-C50C-407E-A947-70E740481C1C}">
-                  <a14:useLocalDpi xmlns:a14="http://schemas.microsoft.com/office/drawing/2010/main" val="0"/>
-                </a:ext>
-              </a:extLst>
-            </a:blip>
-            <a:srcRect l="3097" t="2338" r="3005" b="2877"/>
-            <a:stretch/>
-          </p:blipFill>
-          <p:spPr>
-            <a:xfrm>
-              <a:off x="2961076" y="1683535"/>
-              <a:ext cx="6750104" cy="3953472"/>
-            </a:xfrm>
-            <a:prstGeom prst="rect">
-              <a:avLst/>
-            </a:prstGeom>
-          </p:spPr>
-        </p:pic>
-        <p:sp>
-          <p:nvSpPr>
-            <p:cNvPr id="21" name="Rectangle 20">
-              <a:extLst>
-                <a:ext uri="{FF2B5EF4-FFF2-40B4-BE49-F238E27FC236}">
-                  <a16:creationId xmlns:a16="http://schemas.microsoft.com/office/drawing/2014/main" id="{ACF7C20D-3A87-4414-B520-67C77239E0C2}"/>
-                </a:ext>
-              </a:extLst>
-            </p:cNvPr>
-            <p:cNvSpPr/>
-            <p:nvPr/>
-          </p:nvSpPr>
-          <p:spPr>
-            <a:xfrm>
-              <a:off x="3832411" y="2010335"/>
-              <a:ext cx="4995065" cy="3119718"/>
-            </a:xfrm>
-            <a:prstGeom prst="rect">
-              <a:avLst/>
-            </a:prstGeom>
-            <a:solidFill>
-              <a:schemeClr val="tx2"/>
-            </a:solidFill>
-            <a:ln>
-              <a:noFill/>
-            </a:ln>
-          </p:spPr>
-          <p:style>
-            <a:lnRef idx="2">
-              <a:schemeClr val="accent1">
-                <a:shade val="50000"/>
-              </a:schemeClr>
-            </a:lnRef>
-            <a:fillRef idx="1">
-              <a:schemeClr val="accent1"/>
-            </a:fillRef>
-            <a:effectRef idx="0">
-              <a:schemeClr val="accent1"/>
-            </a:effectRef>
-            <a:fontRef idx="minor">
-              <a:schemeClr val="lt1"/>
-            </a:fontRef>
-          </p:style>
-          <p:txBody>
-            <a:bodyPr rtlCol="0" anchor="ctr"/>
-            <a:lstStyle/>
-            <a:p>
-              <a:pPr algn="ctr"/>
-              <a:endParaRPr lang="en-ID"/>
-            </a:p>
-          </p:txBody>
-        </p:sp>
-      </p:grpSp>
-      <p:sp>
-        <p:nvSpPr>
-          <p:cNvPr id="27" name="Text Placeholder 26">
-            <a:extLst>
-              <a:ext uri="{FF2B5EF4-FFF2-40B4-BE49-F238E27FC236}">
-                <a16:creationId xmlns:a16="http://schemas.microsoft.com/office/drawing/2014/main" id="{30F19E8E-53B8-4A60-89E6-2806172069D8}"/>
-              </a:ext>
-            </a:extLst>
-          </p:cNvPr>
-          <p:cNvSpPr>
-            <a:spLocks noGrp="1"/>
-          </p:cNvSpPr>
-          <p:nvPr>
-            <p:ph type="body" sz="quarter" idx="11"/>
-          </p:nvPr>
-        </p:nvSpPr>
-        <p:spPr/>
-        <p:txBody>
-          <a:bodyPr/>
-          <a:lstStyle/>
-          <a:p>
-            <a:r>
-              <a:rPr lang="en-ID" dirty="0" smtClean="0"/>
-              <a:t>CHAM</a:t>
-            </a:r>
-            <a:endParaRPr lang="en-ID" dirty="0"/>
-          </a:p>
-        </p:txBody>
-      </p:sp>
-      <p:sp>
-        <p:nvSpPr>
-          <p:cNvPr id="26" name="Text Placeholder 25">
-            <a:extLst>
-              <a:ext uri="{FF2B5EF4-FFF2-40B4-BE49-F238E27FC236}">
-                <a16:creationId xmlns:a16="http://schemas.microsoft.com/office/drawing/2014/main" id="{33B0C920-E41D-48B2-BBB5-6FBFDE0F31A7}"/>
-              </a:ext>
-            </a:extLst>
-          </p:cNvPr>
-          <p:cNvSpPr>
-            <a:spLocks noGrp="1"/>
-          </p:cNvSpPr>
-          <p:nvPr>
-            <p:ph type="body" sz="quarter" idx="10"/>
-          </p:nvPr>
-        </p:nvSpPr>
-        <p:spPr/>
-        <p:txBody>
-          <a:bodyPr/>
-          <a:lstStyle/>
-          <a:p>
-            <a:r>
-              <a:rPr lang="ko-KR" altLang="en-US" dirty="0" smtClean="0"/>
-              <a:t>프로젝트 시연</a:t>
-            </a:r>
-            <a:endParaRPr lang="en-ID" dirty="0"/>
-          </a:p>
-        </p:txBody>
-      </p:sp>
-      <p:pic>
-        <p:nvPicPr>
-          <p:cNvPr id="5" name="그림 4"/>
-          <p:cNvPicPr>
-            <a:picLocks noChangeAspect="1"/>
-          </p:cNvPicPr>
-          <p:nvPr/>
-        </p:nvPicPr>
-        <p:blipFill>
-          <a:blip r:embed="rId3"/>
-          <a:stretch>
-            <a:fillRect/>
-          </a:stretch>
-        </p:blipFill>
-        <p:spPr>
-          <a:xfrm>
-            <a:off x="3855038" y="1740804"/>
-            <a:ext cx="4468953" cy="2789175"/>
-          </a:xfrm>
-          <a:prstGeom prst="rect">
-            <a:avLst/>
-          </a:prstGeom>
-        </p:spPr>
-      </p:pic>
-      <p:pic>
-        <p:nvPicPr>
-          <p:cNvPr id="6" name="그림 5"/>
-          <p:cNvPicPr>
-            <a:picLocks noChangeAspect="1"/>
-          </p:cNvPicPr>
-          <p:nvPr/>
-        </p:nvPicPr>
-        <p:blipFill>
-          <a:blip r:embed="rId4"/>
-          <a:stretch>
-            <a:fillRect/>
-          </a:stretch>
-        </p:blipFill>
-        <p:spPr>
-          <a:xfrm>
-            <a:off x="1741337" y="2039150"/>
-            <a:ext cx="1935314" cy="2223981"/>
-          </a:xfrm>
-          <a:prstGeom prst="rect">
-            <a:avLst/>
-          </a:prstGeom>
-        </p:spPr>
-      </p:pic>
-      <p:pic>
-        <p:nvPicPr>
-          <p:cNvPr id="8" name="그림 7"/>
-          <p:cNvPicPr>
-            <a:picLocks noChangeAspect="1"/>
-          </p:cNvPicPr>
-          <p:nvPr/>
-        </p:nvPicPr>
-        <p:blipFill>
-          <a:blip r:embed="rId5"/>
-          <a:stretch>
-            <a:fillRect/>
-          </a:stretch>
-        </p:blipFill>
-        <p:spPr>
-          <a:xfrm>
-            <a:off x="8502378" y="2039150"/>
-            <a:ext cx="1948040" cy="2223981"/>
-          </a:xfrm>
-          <a:prstGeom prst="rect">
-            <a:avLst/>
-          </a:prstGeom>
-        </p:spPr>
-      </p:pic>
-    </p:spTree>
-    <p:extLst>
-      <p:ext uri="{BB962C8B-B14F-4D97-AF65-F5344CB8AC3E}">
-        <p14:creationId xmlns:p14="http://schemas.microsoft.com/office/powerpoint/2010/main" val="1193812329"/>
-      </p:ext>
-    </p:extLst>
-  </p:cSld>
-  <p:clrMapOvr>
-    <a:masterClrMapping/>
-  </p:clrMapOvr>
-  <mc:AlternateContent xmlns:mc="http://schemas.openxmlformats.org/markup-compatibility/2006" xmlns:p14="http://schemas.microsoft.com/office/powerpoint/2010/main">
-    <mc:Choice Requires="p14">
-      <p:transition spd="med" p14:dur="700">
-        <p:fade/>
-      </p:transition>
-    </mc:Choice>
-    <mc:Fallback xmlns="">
-      <p:transition spd="med">
-        <p:fade/>
-      </p:transition>
-    </mc:Fallback>
-  </mc:AlternateContent>
-  <mc:AlternateContent xmlns:mc="http://schemas.openxmlformats.org/markup-compatibility/2006">
-    <mc:Choice xmlns:p14="http://schemas.microsoft.com/office/powerpoint/2010/main" Requires="p14">
-      <p:timing>
-        <p:tnLst>
-          <p:par>
-            <p:cTn id="1" dur="indefinite" restart="never" nodeType="tmRoot">
-              <p:childTnLst>
-                <p:seq concurrent="1" nextAc="seek">
-                  <p:cTn id="2" dur="indefinite" nodeType="mainSeq">
-                    <p:childTnLst>
-                      <p:par>
-                        <p:cTn id="3" fill="hold">
-                          <p:stCondLst>
-                            <p:cond delay="indefinite"/>
-                            <p:cond evt="onBegin" delay="0">
-                              <p:tn val="2"/>
-                            </p:cond>
-                          </p:stCondLst>
-                          <p:childTnLst>
-                            <p:par>
-                              <p:cTn id="4" fill="hold">
-                                <p:stCondLst>
-                                  <p:cond delay="0"/>
-                                </p:stCondLst>
-                                <p:childTnLst>
-                                  <p:par>
-                                    <p:cTn id="5" presetID="2" presetClass="entr" presetSubtype="4" fill="hold" nodeType="afterEffect" p14:presetBounceEnd="60000">
-                                      <p:stCondLst>
-                                        <p:cond delay="0"/>
-                                      </p:stCondLst>
-                                      <p:childTnLst>
-                                        <p:set>
-                                          <p:cBhvr>
-                                            <p:cTn id="6" dur="1" fill="hold">
-                                              <p:stCondLst>
-                                                <p:cond delay="0"/>
-                                              </p:stCondLst>
-                                            </p:cTn>
-                                            <p:tgtEl>
-                                              <p:spTgt spid="19"/>
-                                            </p:tgtEl>
-                                            <p:attrNameLst>
-                                              <p:attrName>style.visibility</p:attrName>
-                                            </p:attrNameLst>
-                                          </p:cBhvr>
-                                          <p:to>
-                                            <p:strVal val="visible"/>
-                                          </p:to>
-                                        </p:set>
-                                        <p:anim calcmode="lin" valueType="num" p14:bounceEnd="60000">
-                                          <p:cBhvr additive="base">
-                                            <p:cTn id="7" dur="750" fill="hold"/>
-                                            <p:tgtEl>
-                                              <p:spTgt spid="19"/>
-                                            </p:tgtEl>
-                                            <p:attrNameLst>
-                                              <p:attrName>ppt_x</p:attrName>
-                                            </p:attrNameLst>
-                                          </p:cBhvr>
-                                          <p:tavLst>
-                                            <p:tav tm="0">
-                                              <p:val>
-                                                <p:strVal val="#ppt_x"/>
-                                              </p:val>
-                                            </p:tav>
-                                            <p:tav tm="100000">
-                                              <p:val>
-                                                <p:strVal val="#ppt_x"/>
-                                              </p:val>
-                                            </p:tav>
-                                          </p:tavLst>
-                                        </p:anim>
-                                        <p:anim calcmode="lin" valueType="num" p14:bounceEnd="60000">
-                                          <p:cBhvr additive="base">
-                                            <p:cTn id="8" dur="750" fill="hold"/>
-                                            <p:tgtEl>
-                                              <p:spTgt spid="19"/>
-                                            </p:tgtEl>
-                                            <p:attrNameLst>
-                                              <p:attrName>ppt_y</p:attrName>
-                                            </p:attrNameLst>
-                                          </p:cBhvr>
-                                          <p:tavLst>
-                                            <p:tav tm="0">
-                                              <p:val>
-                                                <p:strVal val="1+#ppt_h/2"/>
-                                              </p:val>
-                                            </p:tav>
-                                            <p:tav tm="100000">
-                                              <p:val>
-                                                <p:strVal val="#ppt_y"/>
-                                              </p:val>
-                                            </p:tav>
-                                          </p:tavLst>
-                                        </p:anim>
-                                      </p:childTnLst>
-                                    </p:cTn>
-                                  </p:par>
-                                  <p:par>
-                                    <p:cTn id="9" presetID="2" presetClass="entr" presetSubtype="8" fill="hold" nodeType="withEffect" p14:presetBounceEnd="60000">
-                                      <p:stCondLst>
-                                        <p:cond delay="0"/>
-                                      </p:stCondLst>
-                                      <p:childTnLst>
-                                        <p:set>
-                                          <p:cBhvr>
-                                            <p:cTn id="10" dur="1" fill="hold">
-                                              <p:stCondLst>
-                                                <p:cond delay="0"/>
-                                              </p:stCondLst>
-                                            </p:cTn>
-                                            <p:tgtEl>
-                                              <p:spTgt spid="11"/>
-                                            </p:tgtEl>
-                                            <p:attrNameLst>
-                                              <p:attrName>style.visibility</p:attrName>
-                                            </p:attrNameLst>
-                                          </p:cBhvr>
-                                          <p:to>
-                                            <p:strVal val="visible"/>
-                                          </p:to>
-                                        </p:set>
-                                        <p:anim calcmode="lin" valueType="num" p14:bounceEnd="60000">
-                                          <p:cBhvr additive="base">
-                                            <p:cTn id="11" dur="750" fill="hold"/>
-                                            <p:tgtEl>
-                                              <p:spTgt spid="11"/>
-                                            </p:tgtEl>
-                                            <p:attrNameLst>
-                                              <p:attrName>ppt_x</p:attrName>
-                                            </p:attrNameLst>
-                                          </p:cBhvr>
-                                          <p:tavLst>
-                                            <p:tav tm="0">
-                                              <p:val>
-                                                <p:strVal val="0-#ppt_w/2"/>
-                                              </p:val>
-                                            </p:tav>
-                                            <p:tav tm="100000">
-                                              <p:val>
-                                                <p:strVal val="#ppt_x"/>
-                                              </p:val>
-                                            </p:tav>
-                                          </p:tavLst>
-                                        </p:anim>
-                                        <p:anim calcmode="lin" valueType="num" p14:bounceEnd="60000">
-                                          <p:cBhvr additive="base">
-                                            <p:cTn id="12" dur="750" fill="hold"/>
-                                            <p:tgtEl>
-                                              <p:spTgt spid="11"/>
-                                            </p:tgtEl>
-                                            <p:attrNameLst>
-                                              <p:attrName>ppt_y</p:attrName>
-                                            </p:attrNameLst>
-                                          </p:cBhvr>
-                                          <p:tavLst>
-                                            <p:tav tm="0">
-                                              <p:val>
-                                                <p:strVal val="#ppt_y"/>
-                                              </p:val>
-                                            </p:tav>
-                                            <p:tav tm="100000">
-                                              <p:val>
-                                                <p:strVal val="#ppt_y"/>
-                                              </p:val>
-                                            </p:tav>
-                                          </p:tavLst>
-                                        </p:anim>
-                                      </p:childTnLst>
-                                    </p:cTn>
-                                  </p:par>
-                                  <p:par>
-                                    <p:cTn id="13" presetID="2" presetClass="entr" presetSubtype="2" fill="hold" nodeType="withEffect" p14:presetBounceEnd="60000">
-                                      <p:stCondLst>
-                                        <p:cond delay="0"/>
-                                      </p:stCondLst>
-                                      <p:childTnLst>
-                                        <p:set>
-                                          <p:cBhvr>
-                                            <p:cTn id="14" dur="1" fill="hold">
-                                              <p:stCondLst>
-                                                <p:cond delay="0"/>
-                                              </p:stCondLst>
-                                            </p:cTn>
-                                            <p:tgtEl>
-                                              <p:spTgt spid="14"/>
-                                            </p:tgtEl>
-                                            <p:attrNameLst>
-                                              <p:attrName>style.visibility</p:attrName>
-                                            </p:attrNameLst>
-                                          </p:cBhvr>
-                                          <p:to>
-                                            <p:strVal val="visible"/>
-                                          </p:to>
-                                        </p:set>
-                                        <p:anim calcmode="lin" valueType="num" p14:bounceEnd="60000">
-                                          <p:cBhvr additive="base">
-                                            <p:cTn id="15" dur="750" fill="hold"/>
-                                            <p:tgtEl>
-                                              <p:spTgt spid="14"/>
-                                            </p:tgtEl>
-                                            <p:attrNameLst>
-                                              <p:attrName>ppt_x</p:attrName>
-                                            </p:attrNameLst>
-                                          </p:cBhvr>
-                                          <p:tavLst>
-                                            <p:tav tm="0">
-                                              <p:val>
-                                                <p:strVal val="1+#ppt_w/2"/>
-                                              </p:val>
-                                            </p:tav>
-                                            <p:tav tm="100000">
-                                              <p:val>
-                                                <p:strVal val="#ppt_x"/>
-                                              </p:val>
-                                            </p:tav>
-                                          </p:tavLst>
-                                        </p:anim>
-                                        <p:anim calcmode="lin" valueType="num" p14:bounceEnd="60000">
-                                          <p:cBhvr additive="base">
-                                            <p:cTn id="16" dur="750" fill="hold"/>
-                                            <p:tgtEl>
-                                              <p:spTgt spid="14"/>
-                                            </p:tgtEl>
-                                            <p:attrNameLst>
-                                              <p:attrName>ppt_y</p:attrName>
-                                            </p:attrNameLst>
-                                          </p:cBhvr>
-                                          <p:tavLst>
-                                            <p:tav tm="0">
-                                              <p:val>
-                                                <p:strVal val="#ppt_y"/>
-                                              </p:val>
-                                            </p:tav>
-                                            <p:tav tm="100000">
-                                              <p:val>
-                                                <p:strVal val="#ppt_y"/>
-                                              </p:val>
-                                            </p:tav>
-                                          </p:tavLst>
-                                        </p:anim>
-                                      </p:childTnLst>
-                                    </p:cTn>
-                                  </p:par>
-                                </p:childTnLst>
-                              </p:cTn>
-                            </p:par>
-                          </p:childTnLst>
-                        </p:cTn>
-                      </p:par>
-                    </p:childTnLst>
-                  </p:cTn>
-                  <p:prevCondLst>
-                    <p:cond evt="onPrev" delay="0">
-                      <p:tgtEl>
-                        <p:sldTgt/>
-                      </p:tgtEl>
-                    </p:cond>
-                  </p:prevCondLst>
-                  <p:nextCondLst>
-                    <p:cond evt="onNext" delay="0">
-                      <p:tgtEl>
-                        <p:sldTgt/>
-                      </p:tgtEl>
-                    </p:cond>
-                  </p:nextCondLst>
-                </p:seq>
-              </p:childTnLst>
-            </p:cTn>
-          </p:par>
-        </p:tnLst>
-      </p:timing>
-    </mc:Choice>
-    <mc:Fallback>
-      <p:timing>
-        <p:tnLst>
-          <p:par>
-            <p:cTn id="1" dur="indefinite" restart="never" nodeType="tmRoot">
-              <p:childTnLst>
-                <p:seq concurrent="1" nextAc="seek">
-                  <p:cTn id="2" dur="indefinite" nodeType="mainSeq">
-                    <p:childTnLst>
-                      <p:par>
-                        <p:cTn id="3" fill="hold">
-                          <p:stCondLst>
-                            <p:cond delay="indefinite"/>
-                            <p:cond evt="onBegin" delay="0">
-                              <p:tn val="2"/>
-                            </p:cond>
-                          </p:stCondLst>
-                          <p:childTnLst>
-                            <p:par>
-                              <p:cTn id="4" fill="hold">
-                                <p:stCondLst>
-                                  <p:cond delay="0"/>
-                                </p:stCondLst>
-                                <p:childTnLst>
-                                  <p:par>
-                                    <p:cTn id="5" presetID="2" presetClass="entr" presetSubtype="4" fill="hold" nodeType="afterEffect">
-                                      <p:stCondLst>
-                                        <p:cond delay="0"/>
-                                      </p:stCondLst>
-                                      <p:childTnLst>
-                                        <p:set>
-                                          <p:cBhvr>
-                                            <p:cTn id="6" dur="1" fill="hold">
-                                              <p:stCondLst>
-                                                <p:cond delay="0"/>
-                                              </p:stCondLst>
-                                            </p:cTn>
-                                            <p:tgtEl>
-                                              <p:spTgt spid="19"/>
-                                            </p:tgtEl>
-                                            <p:attrNameLst>
-                                              <p:attrName>style.visibility</p:attrName>
-                                            </p:attrNameLst>
-                                          </p:cBhvr>
-                                          <p:to>
-                                            <p:strVal val="visible"/>
-                                          </p:to>
-                                        </p:set>
-                                        <p:anim calcmode="lin" valueType="num">
-                                          <p:cBhvr additive="base">
-                                            <p:cTn id="7" dur="750" fill="hold"/>
-                                            <p:tgtEl>
-                                              <p:spTgt spid="19"/>
-                                            </p:tgtEl>
-                                            <p:attrNameLst>
-                                              <p:attrName>ppt_x</p:attrName>
-                                            </p:attrNameLst>
-                                          </p:cBhvr>
-                                          <p:tavLst>
-                                            <p:tav tm="0">
-                                              <p:val>
-                                                <p:strVal val="#ppt_x"/>
-                                              </p:val>
-                                            </p:tav>
-                                            <p:tav tm="100000">
-                                              <p:val>
-                                                <p:strVal val="#ppt_x"/>
-                                              </p:val>
-                                            </p:tav>
-                                          </p:tavLst>
-                                        </p:anim>
-                                        <p:anim calcmode="lin" valueType="num">
-                                          <p:cBhvr additive="base">
-                                            <p:cTn id="8" dur="750" fill="hold"/>
-                                            <p:tgtEl>
-                                              <p:spTgt spid="19"/>
-                                            </p:tgtEl>
-                                            <p:attrNameLst>
-                                              <p:attrName>ppt_y</p:attrName>
-                                            </p:attrNameLst>
-                                          </p:cBhvr>
-                                          <p:tavLst>
-                                            <p:tav tm="0">
-                                              <p:val>
-                                                <p:strVal val="1+#ppt_h/2"/>
-                                              </p:val>
-                                            </p:tav>
-                                            <p:tav tm="100000">
-                                              <p:val>
-                                                <p:strVal val="#ppt_y"/>
-                                              </p:val>
-                                            </p:tav>
-                                          </p:tavLst>
-                                        </p:anim>
-                                      </p:childTnLst>
-                                    </p:cTn>
-                                  </p:par>
-                                  <p:par>
-                                    <p:cTn id="9" presetID="2" presetClass="entr" presetSubtype="8" fill="hold" nodeType="withEffect">
-                                      <p:stCondLst>
-                                        <p:cond delay="0"/>
-                                      </p:stCondLst>
-                                      <p:childTnLst>
-                                        <p:set>
-                                          <p:cBhvr>
-                                            <p:cTn id="10" dur="1" fill="hold">
-                                              <p:stCondLst>
-                                                <p:cond delay="0"/>
-                                              </p:stCondLst>
-                                            </p:cTn>
-                                            <p:tgtEl>
-                                              <p:spTgt spid="11"/>
-                                            </p:tgtEl>
-                                            <p:attrNameLst>
-                                              <p:attrName>style.visibility</p:attrName>
-                                            </p:attrNameLst>
-                                          </p:cBhvr>
-                                          <p:to>
-                                            <p:strVal val="visible"/>
-                                          </p:to>
-                                        </p:set>
-                                        <p:anim calcmode="lin" valueType="num">
-                                          <p:cBhvr additive="base">
-                                            <p:cTn id="11" dur="750" fill="hold"/>
-                                            <p:tgtEl>
-                                              <p:spTgt spid="11"/>
-                                            </p:tgtEl>
-                                            <p:attrNameLst>
-                                              <p:attrName>ppt_x</p:attrName>
-                                            </p:attrNameLst>
-                                          </p:cBhvr>
-                                          <p:tavLst>
-                                            <p:tav tm="0">
-                                              <p:val>
-                                                <p:strVal val="0-#ppt_w/2"/>
-                                              </p:val>
-                                            </p:tav>
-                                            <p:tav tm="100000">
-                                              <p:val>
-                                                <p:strVal val="#ppt_x"/>
-                                              </p:val>
-                                            </p:tav>
-                                          </p:tavLst>
-                                        </p:anim>
-                                        <p:anim calcmode="lin" valueType="num">
-                                          <p:cBhvr additive="base">
-                                            <p:cTn id="12" dur="750" fill="hold"/>
-                                            <p:tgtEl>
-                                              <p:spTgt spid="11"/>
-                                            </p:tgtEl>
-                                            <p:attrNameLst>
-                                              <p:attrName>ppt_y</p:attrName>
-                                            </p:attrNameLst>
-                                          </p:cBhvr>
-                                          <p:tavLst>
-                                            <p:tav tm="0">
-                                              <p:val>
-                                                <p:strVal val="#ppt_y"/>
-                                              </p:val>
-                                            </p:tav>
-                                            <p:tav tm="100000">
-                                              <p:val>
-                                                <p:strVal val="#ppt_y"/>
-                                              </p:val>
-                                            </p:tav>
-                                          </p:tavLst>
-                                        </p:anim>
-                                      </p:childTnLst>
-                                    </p:cTn>
-                                  </p:par>
-                                  <p:par>
-                                    <p:cTn id="13" presetID="2" presetClass="entr" presetSubtype="2" fill="hold" nodeType="withEffect">
-                                      <p:stCondLst>
-                                        <p:cond delay="0"/>
-                                      </p:stCondLst>
-                                      <p:childTnLst>
-                                        <p:set>
-                                          <p:cBhvr>
-                                            <p:cTn id="14" dur="1" fill="hold">
-                                              <p:stCondLst>
-                                                <p:cond delay="0"/>
-                                              </p:stCondLst>
-                                            </p:cTn>
-                                            <p:tgtEl>
-                                              <p:spTgt spid="14"/>
-                                            </p:tgtEl>
-                                            <p:attrNameLst>
-                                              <p:attrName>style.visibility</p:attrName>
-                                            </p:attrNameLst>
-                                          </p:cBhvr>
-                                          <p:to>
-                                            <p:strVal val="visible"/>
-                                          </p:to>
-                                        </p:set>
-                                        <p:anim calcmode="lin" valueType="num">
-                                          <p:cBhvr additive="base">
-                                            <p:cTn id="15" dur="750" fill="hold"/>
-                                            <p:tgtEl>
-                                              <p:spTgt spid="14"/>
-                                            </p:tgtEl>
-                                            <p:attrNameLst>
-                                              <p:attrName>ppt_x</p:attrName>
-                                            </p:attrNameLst>
-                                          </p:cBhvr>
-                                          <p:tavLst>
-                                            <p:tav tm="0">
-                                              <p:val>
-                                                <p:strVal val="1+#ppt_w/2"/>
-                                              </p:val>
-                                            </p:tav>
-                                            <p:tav tm="100000">
-                                              <p:val>
-                                                <p:strVal val="#ppt_x"/>
-                                              </p:val>
-                                            </p:tav>
-                                          </p:tavLst>
-                                        </p:anim>
-                                        <p:anim calcmode="lin" valueType="num">
-                                          <p:cBhvr additive="base">
-                                            <p:cTn id="16" dur="750" fill="hold"/>
-                                            <p:tgtEl>
-                                              <p:spTgt spid="14"/>
-                                            </p:tgtEl>
-                                            <p:attrNameLst>
-                                              <p:attrName>ppt_y</p:attrName>
-                                            </p:attrNameLst>
-                                          </p:cBhvr>
-                                          <p:tavLst>
-                                            <p:tav tm="0">
-                                              <p:val>
-                                                <p:strVal val="#ppt_y"/>
-                                              </p:val>
-                                            </p:tav>
-                                            <p:tav tm="100000">
-                                              <p:val>
-                                                <p:strVal val="#ppt_y"/>
-                                              </p:val>
-                                            </p:tav>
-                                          </p:tavLst>
-                                        </p:anim>
-                                      </p:childTnLst>
-                                    </p:cTn>
-                                  </p:par>
-                                </p:childTnLst>
-                              </p:cTn>
-                            </p:par>
-                          </p:childTnLst>
-                        </p:cTn>
-                      </p:par>
-                    </p:childTnLst>
-                  </p:cTn>
-                  <p:prevCondLst>
-                    <p:cond evt="onPrev" delay="0">
-                      <p:tgtEl>
-                        <p:sldTgt/>
-                      </p:tgtEl>
-                    </p:cond>
-                  </p:prevCondLst>
-                  <p:nextCondLst>
-                    <p:cond evt="onNext" delay="0">
-                      <p:tgtEl>
-                        <p:sldTgt/>
-                      </p:tgtEl>
-                    </p:cond>
-                  </p:nextCondLst>
-                </p:seq>
-              </p:childTnLst>
-            </p:cTn>
-          </p:par>
-        </p:tnLst>
       </p:timing>
     </mc:Fallback>
   </mc:AlternateContent>
